--- a/SIMPLEx.pptx
+++ b/SIMPLEx.pptx
@@ -271,7 +271,7 @@
           <a:p>
             <a:fld id="{0FC14AC2-98A2-4623-8C7D-AE64CB321C36}" type="datetimeFigureOut">
               <a:rPr lang="it-IT" smtClean="0"/>
-              <a:t>28/07/2023</a:t>
+              <a:t>31/07/2023</a:t>
             </a:fld>
             <a:endParaRPr lang="it-IT"/>
           </a:p>
@@ -469,7 +469,7 @@
           <a:p>
             <a:fld id="{0FC14AC2-98A2-4623-8C7D-AE64CB321C36}" type="datetimeFigureOut">
               <a:rPr lang="it-IT" smtClean="0"/>
-              <a:t>28/07/2023</a:t>
+              <a:t>31/07/2023</a:t>
             </a:fld>
             <a:endParaRPr lang="it-IT"/>
           </a:p>
@@ -677,7 +677,7 @@
           <a:p>
             <a:fld id="{0FC14AC2-98A2-4623-8C7D-AE64CB321C36}" type="datetimeFigureOut">
               <a:rPr lang="it-IT" smtClean="0"/>
-              <a:t>28/07/2023</a:t>
+              <a:t>31/07/2023</a:t>
             </a:fld>
             <a:endParaRPr lang="it-IT"/>
           </a:p>
@@ -875,7 +875,7 @@
           <a:p>
             <a:fld id="{0FC14AC2-98A2-4623-8C7D-AE64CB321C36}" type="datetimeFigureOut">
               <a:rPr lang="it-IT" smtClean="0"/>
-              <a:t>28/07/2023</a:t>
+              <a:t>31/07/2023</a:t>
             </a:fld>
             <a:endParaRPr lang="it-IT"/>
           </a:p>
@@ -1150,7 +1150,7 @@
           <a:p>
             <a:fld id="{0FC14AC2-98A2-4623-8C7D-AE64CB321C36}" type="datetimeFigureOut">
               <a:rPr lang="it-IT" smtClean="0"/>
-              <a:t>28/07/2023</a:t>
+              <a:t>31/07/2023</a:t>
             </a:fld>
             <a:endParaRPr lang="it-IT"/>
           </a:p>
@@ -1415,7 +1415,7 @@
           <a:p>
             <a:fld id="{0FC14AC2-98A2-4623-8C7D-AE64CB321C36}" type="datetimeFigureOut">
               <a:rPr lang="it-IT" smtClean="0"/>
-              <a:t>28/07/2023</a:t>
+              <a:t>31/07/2023</a:t>
             </a:fld>
             <a:endParaRPr lang="it-IT"/>
           </a:p>
@@ -1827,7 +1827,7 @@
           <a:p>
             <a:fld id="{0FC14AC2-98A2-4623-8C7D-AE64CB321C36}" type="datetimeFigureOut">
               <a:rPr lang="it-IT" smtClean="0"/>
-              <a:t>28/07/2023</a:t>
+              <a:t>31/07/2023</a:t>
             </a:fld>
             <a:endParaRPr lang="it-IT"/>
           </a:p>
@@ -1968,7 +1968,7 @@
           <a:p>
             <a:fld id="{0FC14AC2-98A2-4623-8C7D-AE64CB321C36}" type="datetimeFigureOut">
               <a:rPr lang="it-IT" smtClean="0"/>
-              <a:t>28/07/2023</a:t>
+              <a:t>31/07/2023</a:t>
             </a:fld>
             <a:endParaRPr lang="it-IT"/>
           </a:p>
@@ -2081,7 +2081,7 @@
           <a:p>
             <a:fld id="{0FC14AC2-98A2-4623-8C7D-AE64CB321C36}" type="datetimeFigureOut">
               <a:rPr lang="it-IT" smtClean="0"/>
-              <a:t>28/07/2023</a:t>
+              <a:t>31/07/2023</a:t>
             </a:fld>
             <a:endParaRPr lang="it-IT"/>
           </a:p>
@@ -2392,7 +2392,7 @@
           <a:p>
             <a:fld id="{0FC14AC2-98A2-4623-8C7D-AE64CB321C36}" type="datetimeFigureOut">
               <a:rPr lang="it-IT" smtClean="0"/>
-              <a:t>28/07/2023</a:t>
+              <a:t>31/07/2023</a:t>
             </a:fld>
             <a:endParaRPr lang="it-IT"/>
           </a:p>
@@ -2680,7 +2680,7 @@
           <a:p>
             <a:fld id="{0FC14AC2-98A2-4623-8C7D-AE64CB321C36}" type="datetimeFigureOut">
               <a:rPr lang="it-IT" smtClean="0"/>
-              <a:t>28/07/2023</a:t>
+              <a:t>31/07/2023</a:t>
             </a:fld>
             <a:endParaRPr lang="it-IT"/>
           </a:p>
@@ -2921,7 +2921,7 @@
           <a:p>
             <a:fld id="{0FC14AC2-98A2-4623-8C7D-AE64CB321C36}" type="datetimeFigureOut">
               <a:rPr lang="it-IT" smtClean="0"/>
-              <a:t>28/07/2023</a:t>
+              <a:t>31/07/2023</a:t>
             </a:fld>
             <a:endParaRPr lang="it-IT"/>
           </a:p>
@@ -3724,8 +3724,8 @@
           </a:p>
         </p:txBody>
       </p:sp>
-      <mc:AlternateContent xmlns:mc="http://schemas.openxmlformats.org/markup-compatibility/2006">
-        <mc:Choice xmlns:a14="http://schemas.microsoft.com/office/drawing/2010/main" Requires="a14">
+      <mc:AlternateContent xmlns:mc="http://schemas.openxmlformats.org/markup-compatibility/2006" xmlns:a14="http://schemas.microsoft.com/office/drawing/2010/main">
+        <mc:Choice Requires="a14">
           <p:graphicFrame>
             <p:nvGraphicFramePr>
               <p:cNvPr id="4" name="Group 248">
@@ -6798,7 +6798,7 @@
             </a:graphic>
           </p:graphicFrame>
         </mc:Choice>
-        <mc:Fallback>
+        <mc:Fallback xmlns="">
           <p:graphicFrame>
             <p:nvGraphicFramePr>
               <p:cNvPr id="4" name="Group 248">
@@ -18796,7 +18796,7 @@
                           <a:rPr lang="it-IT" b="0" i="1" smtClean="0">
                             <a:latin typeface="Cambria Math" panose="02040503050406030204" pitchFamily="18" charset="0"/>
                           </a:rPr>
-                          <m:t>17</m:t>
+                          <m:t>5</m:t>
                         </m:r>
                       </m:num>
                       <m:den>
@@ -18867,8 +18867,8 @@
           </p:sp>
         </mc:Fallback>
       </mc:AlternateContent>
-      <mc:AlternateContent xmlns:mc="http://schemas.openxmlformats.org/markup-compatibility/2006">
-        <mc:Choice xmlns:a14="http://schemas.microsoft.com/office/drawing/2010/main" Requires="a14">
+      <mc:AlternateContent xmlns:mc="http://schemas.openxmlformats.org/markup-compatibility/2006" xmlns:a14="http://schemas.microsoft.com/office/drawing/2010/main">
+        <mc:Choice Requires="a14">
           <p:graphicFrame>
             <p:nvGraphicFramePr>
               <p:cNvPr id="9" name="Tabella 8">
@@ -21813,7 +21813,7 @@
             </a:graphic>
           </p:graphicFrame>
         </mc:Choice>
-        <mc:Fallback>
+        <mc:Fallback xmlns="">
           <p:graphicFrame>
             <p:nvGraphicFramePr>
               <p:cNvPr id="9" name="Tabella 8">
@@ -24018,8 +24018,8 @@
           </a:p>
         </p:txBody>
       </p:sp>
-      <mc:AlternateContent xmlns:mc="http://schemas.openxmlformats.org/markup-compatibility/2006">
-        <mc:Choice xmlns:a14="http://schemas.microsoft.com/office/drawing/2010/main" Requires="a14">
+      <mc:AlternateContent xmlns:mc="http://schemas.openxmlformats.org/markup-compatibility/2006" xmlns:a14="http://schemas.microsoft.com/office/drawing/2010/main">
+        <mc:Choice Requires="a14">
           <p:sp>
             <p:nvSpPr>
               <p:cNvPr id="3" name="Sottotitolo 2">
@@ -24104,7 +24104,7 @@
             </p:txBody>
           </p:sp>
         </mc:Choice>
-        <mc:Fallback>
+        <mc:Fallback xmlns="">
           <p:sp>
             <p:nvSpPr>
               <p:cNvPr id="3" name="Sottotitolo 2">
@@ -24148,8 +24148,8 @@
           </p:sp>
         </mc:Fallback>
       </mc:AlternateContent>
-      <mc:AlternateContent xmlns:mc="http://schemas.openxmlformats.org/markup-compatibility/2006">
-        <mc:Choice xmlns:a14="http://schemas.microsoft.com/office/drawing/2010/main" Requires="a14">
+      <mc:AlternateContent xmlns:mc="http://schemas.openxmlformats.org/markup-compatibility/2006" xmlns:a14="http://schemas.microsoft.com/office/drawing/2010/main">
+        <mc:Choice Requires="a14">
           <p:graphicFrame>
             <p:nvGraphicFramePr>
               <p:cNvPr id="4" name="Tabella 4">
@@ -24547,6 +24547,7 @@
                         <a:bodyPr/>
                         <a:lstStyle/>
                         <a:p>
+                          <a:pPr/>
                           <a14:m>
                             <m:oMathPara xmlns:m="http://schemas.openxmlformats.org/officeDocument/2006/math">
                               <m:oMathParaPr>
@@ -24643,7 +24644,7 @@
             </a:graphic>
           </p:graphicFrame>
         </mc:Choice>
-        <mc:Fallback>
+        <mc:Fallback xmlns="">
           <p:graphicFrame>
             <p:nvGraphicFramePr>
               <p:cNvPr id="4" name="Tabella 4">
@@ -24936,8 +24937,8 @@
           </p:graphicFrame>
         </mc:Fallback>
       </mc:AlternateContent>
-      <mc:AlternateContent xmlns:mc="http://schemas.openxmlformats.org/markup-compatibility/2006">
-        <mc:Choice xmlns:a14="http://schemas.microsoft.com/office/drawing/2010/main" Requires="a14">
+      <mc:AlternateContent xmlns:mc="http://schemas.openxmlformats.org/markup-compatibility/2006" xmlns:a14="http://schemas.microsoft.com/office/drawing/2010/main">
+        <mc:Choice Requires="a14">
           <p:graphicFrame>
             <p:nvGraphicFramePr>
               <p:cNvPr id="5" name="Tabella 4">
@@ -25968,7 +25969,7 @@
             </a:graphic>
           </p:graphicFrame>
         </mc:Choice>
-        <mc:Fallback>
+        <mc:Fallback xmlns="">
           <p:graphicFrame>
             <p:nvGraphicFramePr>
               <p:cNvPr id="5" name="Tabella 4">
@@ -26480,8 +26481,8 @@
           </p:graphicFrame>
         </mc:Fallback>
       </mc:AlternateContent>
-      <mc:AlternateContent xmlns:mc="http://schemas.openxmlformats.org/markup-compatibility/2006">
-        <mc:Choice xmlns:a14="http://schemas.microsoft.com/office/drawing/2010/main" Requires="a14">
+      <mc:AlternateContent xmlns:mc="http://schemas.openxmlformats.org/markup-compatibility/2006" xmlns:a14="http://schemas.microsoft.com/office/drawing/2010/main">
+        <mc:Choice Requires="a14">
           <p:sp>
             <p:nvSpPr>
               <p:cNvPr id="6" name="Sottotitolo 2">
@@ -26815,7 +26816,7 @@
             </p:txBody>
           </p:sp>
         </mc:Choice>
-        <mc:Fallback>
+        <mc:Fallback xmlns="">
           <p:sp>
             <p:nvSpPr>
               <p:cNvPr id="6" name="Sottotitolo 2">
@@ -28106,8 +28107,8 @@
           </a:p>
         </p:txBody>
       </p:sp>
-      <mc:AlternateContent xmlns:mc="http://schemas.openxmlformats.org/markup-compatibility/2006">
-        <mc:Choice xmlns:a14="http://schemas.microsoft.com/office/drawing/2010/main" Requires="a14">
+      <mc:AlternateContent xmlns:mc="http://schemas.openxmlformats.org/markup-compatibility/2006" xmlns:a14="http://schemas.microsoft.com/office/drawing/2010/main">
+        <mc:Choice Requires="a14">
           <p:sp>
             <p:nvSpPr>
               <p:cNvPr id="3" name="Sottotitolo 2">
@@ -28702,13 +28703,7 @@
                             <a:rPr lang="it-IT" sz="1800" b="0" i="1" smtClean="0">
                               <a:latin typeface="Cambria Math" panose="02040503050406030204" pitchFamily="18" charset="0"/>
                             </a:rPr>
-                            <m:t>𝑛</m:t>
-                          </m:r>
-                          <m:r>
-                            <a:rPr lang="it-IT" sz="1800" b="0" i="1" smtClean="0">
-                              <a:latin typeface="Cambria Math" panose="02040503050406030204" pitchFamily="18" charset="0"/>
-                            </a:rPr>
-                            <m:t>𝑏</m:t>
+                            <m:t>𝑛𝑏</m:t>
                           </m:r>
                         </m:sub>
                       </m:sSub>
@@ -28929,7 +28924,7 @@
             </p:txBody>
           </p:sp>
         </mc:Choice>
-        <mc:Fallback>
+        <mc:Fallback xmlns="">
           <p:sp>
             <p:nvSpPr>
               <p:cNvPr id="3" name="Sottotitolo 2">
@@ -29036,8 +29031,8 @@
           </a:p>
         </p:txBody>
       </p:sp>
-      <mc:AlternateContent xmlns:mc="http://schemas.openxmlformats.org/markup-compatibility/2006">
-        <mc:Choice xmlns:a14="http://schemas.microsoft.com/office/drawing/2010/main" Requires="a14">
+      <mc:AlternateContent xmlns:mc="http://schemas.openxmlformats.org/markup-compatibility/2006" xmlns:a14="http://schemas.microsoft.com/office/drawing/2010/main">
+        <mc:Choice Requires="a14">
           <p:sp>
             <p:nvSpPr>
               <p:cNvPr id="3" name="Sottotitolo 2">
@@ -29637,7 +29632,7 @@
             </p:txBody>
           </p:sp>
         </mc:Choice>
-        <mc:Fallback>
+        <mc:Fallback xmlns="">
           <p:sp>
             <p:nvSpPr>
               <p:cNvPr id="3" name="Sottotitolo 2">
@@ -30449,8 +30444,8 @@
           </a:p>
         </p:txBody>
       </p:sp>
-      <mc:AlternateContent xmlns:mc="http://schemas.openxmlformats.org/markup-compatibility/2006">
-        <mc:Choice xmlns:a14="http://schemas.microsoft.com/office/drawing/2010/main" Requires="a14">
+      <mc:AlternateContent xmlns:mc="http://schemas.openxmlformats.org/markup-compatibility/2006" xmlns:a14="http://schemas.microsoft.com/office/drawing/2010/main">
+        <mc:Choice Requires="a14">
           <p:sp>
             <p:nvSpPr>
               <p:cNvPr id="3" name="Sottotitolo 2">
@@ -30876,7 +30871,7 @@
             </p:txBody>
           </p:sp>
         </mc:Choice>
-        <mc:Fallback>
+        <mc:Fallback xmlns="">
           <p:sp>
             <p:nvSpPr>
               <p:cNvPr id="3" name="Sottotitolo 2">
